--- a/Review-1.pptx
+++ b/Review-1.pptx
@@ -121,15 +121,6 @@
 </p:presentation>
 </file>
 
-<file path=ppt/revisionInfo.xml><?xml version="1.0" encoding="utf-8"?>
-<p1510:revInfo xmlns:a="http://schemas.openxmlformats.org/drawingml/2006/main" xmlns:r="http://schemas.openxmlformats.org/officeDocument/2006/relationships" xmlns:p1510="http://schemas.microsoft.com/office/powerpoint/2015/10/main">
-  <p1510:revLst>
-    <p1510:client id="{E61A5087-C88B-4114-B4DF-629F88047D8D}" v="176" dt="2025-09-01T09:40:31.825"/>
-    <p1510:client id="{F7D06C4B-126A-9830-BBF7-38DF0060D2DC}" v="282" dt="2025-09-01T09:02:54.811"/>
-  </p1510:revLst>
-</p1510:revInfo>
-</file>
-
 <file path=ppt/ink/ink1.xml><?xml version="1.0" encoding="utf-8"?>
 <inkml:ink xmlns:inkml="http://www.w3.org/2003/InkML">
   <inkml:definitions>
@@ -408,7 +399,7 @@
           <a:p>
             <a:fld id="{DF10405E-081E-4BE5-B13A-7B86838180DB}" type="datetimeFigureOut">
               <a:rPr lang="en-IN" smtClean="0"/>
-              <a:t>01-09-2025</a:t>
+              <a:t>29-09-2025</a:t>
             </a:fld>
             <a:endParaRPr lang="en-IN"/>
           </a:p>
@@ -576,7 +567,7 @@
           <a:p>
             <a:fld id="{DF10405E-081E-4BE5-B13A-7B86838180DB}" type="datetimeFigureOut">
               <a:rPr lang="en-IN" smtClean="0"/>
-              <a:t>01-09-2025</a:t>
+              <a:t>29-09-2025</a:t>
             </a:fld>
             <a:endParaRPr lang="en-IN"/>
           </a:p>
@@ -754,7 +745,7 @@
           <a:p>
             <a:fld id="{DF10405E-081E-4BE5-B13A-7B86838180DB}" type="datetimeFigureOut">
               <a:rPr lang="en-IN" smtClean="0"/>
-              <a:t>01-09-2025</a:t>
+              <a:t>29-09-2025</a:t>
             </a:fld>
             <a:endParaRPr lang="en-IN"/>
           </a:p>
@@ -922,7 +913,7 @@
           <a:p>
             <a:fld id="{DF10405E-081E-4BE5-B13A-7B86838180DB}" type="datetimeFigureOut">
               <a:rPr lang="en-IN" smtClean="0"/>
-              <a:t>01-09-2025</a:t>
+              <a:t>29-09-2025</a:t>
             </a:fld>
             <a:endParaRPr lang="en-IN"/>
           </a:p>
@@ -1179,7 +1170,7 @@
           <a:p>
             <a:fld id="{DF10405E-081E-4BE5-B13A-7B86838180DB}" type="datetimeFigureOut">
               <a:rPr lang="en-IN" smtClean="0"/>
-              <a:t>01-09-2025</a:t>
+              <a:t>29-09-2025</a:t>
             </a:fld>
             <a:endParaRPr lang="en-IN"/>
           </a:p>
@@ -1464,7 +1455,7 @@
           <a:p>
             <a:fld id="{DF10405E-081E-4BE5-B13A-7B86838180DB}" type="datetimeFigureOut">
               <a:rPr lang="en-IN" smtClean="0"/>
-              <a:t>01-09-2025</a:t>
+              <a:t>29-09-2025</a:t>
             </a:fld>
             <a:endParaRPr lang="en-IN"/>
           </a:p>
@@ -1903,7 +1894,7 @@
           <a:p>
             <a:fld id="{DF10405E-081E-4BE5-B13A-7B86838180DB}" type="datetimeFigureOut">
               <a:rPr lang="en-IN" smtClean="0"/>
-              <a:t>01-09-2025</a:t>
+              <a:t>29-09-2025</a:t>
             </a:fld>
             <a:endParaRPr lang="en-IN"/>
           </a:p>
@@ -2020,7 +2011,7 @@
           <a:p>
             <a:fld id="{DF10405E-081E-4BE5-B13A-7B86838180DB}" type="datetimeFigureOut">
               <a:rPr lang="en-IN" smtClean="0"/>
-              <a:t>01-09-2025</a:t>
+              <a:t>29-09-2025</a:t>
             </a:fld>
             <a:endParaRPr lang="en-IN"/>
           </a:p>
@@ -2115,7 +2106,7 @@
           <a:p>
             <a:fld id="{DF10405E-081E-4BE5-B13A-7B86838180DB}" type="datetimeFigureOut">
               <a:rPr lang="en-IN" smtClean="0"/>
-              <a:t>01-09-2025</a:t>
+              <a:t>29-09-2025</a:t>
             </a:fld>
             <a:endParaRPr lang="en-IN"/>
           </a:p>
@@ -2401,7 +2392,7 @@
           <a:p>
             <a:fld id="{DF10405E-081E-4BE5-B13A-7B86838180DB}" type="datetimeFigureOut">
               <a:rPr lang="en-IN" smtClean="0"/>
-              <a:t>01-09-2025</a:t>
+              <a:t>29-09-2025</a:t>
             </a:fld>
             <a:endParaRPr lang="en-IN"/>
           </a:p>
@@ -2672,7 +2663,7 @@
           <a:p>
             <a:fld id="{DF10405E-081E-4BE5-B13A-7B86838180DB}" type="datetimeFigureOut">
               <a:rPr lang="en-IN" smtClean="0"/>
-              <a:t>01-09-2025</a:t>
+              <a:t>29-09-2025</a:t>
             </a:fld>
             <a:endParaRPr lang="en-IN"/>
           </a:p>
@@ -2967,7 +2958,7 @@
           <a:p>
             <a:fld id="{DF10405E-081E-4BE5-B13A-7B86838180DB}" type="datetimeFigureOut">
               <a:rPr lang="en-IN" smtClean="0"/>
-              <a:t>01-09-2025</a:t>
+              <a:t>29-09-2025</a:t>
             </a:fld>
             <a:endParaRPr lang="en-IN"/>
           </a:p>
@@ -4203,67 +4194,53 @@
           <a:lstStyle/>
           <a:p>
             <a:r>
-              <a:rPr lang="en-US">
+              <a:rPr lang="en-US" dirty="0">
                 <a:ea typeface="+mn-lt"/>
                 <a:cs typeface="+mn-lt"/>
               </a:rPr>
               <a:t>In high-stakes UAV applications like surveillance &amp; defense, AI must not only be fast, it must be explainable</a:t>
             </a:r>
-            <a:endParaRPr lang="en-US"/>
-          </a:p>
-          <a:p>
-            <a:r>
-              <a:rPr lang="en-US">
+            <a:endParaRPr lang="en-US" dirty="0"/>
+          </a:p>
+          <a:p>
+            <a:r>
+              <a:rPr lang="en-US" dirty="0">
                 <a:ea typeface="+mn-lt"/>
                 <a:cs typeface="+mn-lt"/>
               </a:rPr>
               <a:t>Current object detection models used in drones (e.g., YOLO) are accurate, but behave like black boxes</a:t>
             </a:r>
-            <a:endParaRPr lang="en-US"/>
-          </a:p>
-          <a:p>
-            <a:r>
-              <a:rPr lang="en-US">
+            <a:endParaRPr lang="en-US" dirty="0"/>
+          </a:p>
+          <a:p>
+            <a:r>
+              <a:rPr lang="en-US" dirty="0">
                 <a:ea typeface="+mn-lt"/>
                 <a:cs typeface="+mn-lt"/>
               </a:rPr>
               <a:t>Lack of transparency reduces trust, limits adoption, and poses risks in human-AI decision-making</a:t>
             </a:r>
-            <a:endParaRPr lang="en-US"/>
-          </a:p>
-          <a:p>
-            <a:r>
-              <a:rPr lang="en-US">
+            <a:endParaRPr lang="en-US" dirty="0"/>
+          </a:p>
+          <a:p>
+            <a:r>
+              <a:rPr lang="en-US" dirty="0">
                 <a:ea typeface="+mn-lt"/>
                 <a:cs typeface="+mn-lt"/>
               </a:rPr>
               <a:t>We are motivated to bridge this gap by building a real-time, interpretable AI system for UAVs</a:t>
             </a:r>
-            <a:endParaRPr lang="en-US"/>
-          </a:p>
-          <a:p>
-            <a:r>
-              <a:rPr lang="en-US">
+            <a:endParaRPr lang="en-US" dirty="0"/>
+          </a:p>
+          <a:p>
+            <a:r>
+              <a:rPr lang="en-US" dirty="0">
                 <a:ea typeface="+mn-lt"/>
                 <a:cs typeface="+mn-lt"/>
               </a:rPr>
-              <a:t>Our solution merges model optimization (</a:t>
-            </a:r>
-            <a:r>
-              <a:rPr lang="en-US" err="1">
-                <a:ea typeface="+mn-lt"/>
-                <a:cs typeface="+mn-lt"/>
-              </a:rPr>
-              <a:t>DetDSHAP</a:t>
-            </a:r>
-            <a:r>
-              <a:rPr lang="en-US">
-                <a:ea typeface="+mn-lt"/>
-                <a:cs typeface="+mn-lt"/>
-              </a:rPr>
-              <a:t>) with visual explanations (Grad-CAM, SHAP) — ensuring both performance and accountability</a:t>
-            </a:r>
-            <a:endParaRPr lang="en-US"/>
+              <a:t>Our solution merges model optimization (pruning) with visual explanations (Grad-CAM, SHAP) — ensuring both performance and accountability</a:t>
+            </a:r>
+            <a:endParaRPr lang="en-US" dirty="0"/>
           </a:p>
         </p:txBody>
       </p:sp>
@@ -4353,91 +4330,77 @@
           <a:lstStyle/>
           <a:p>
             <a:r>
-              <a:rPr lang="en-US">
+              <a:rPr lang="en-US" dirty="0">
                 <a:ea typeface="+mn-lt"/>
                 <a:cs typeface="+mn-lt"/>
               </a:rPr>
               <a:t>Identify and address the lack of explainability in UAV-based object detection systems</a:t>
             </a:r>
-            <a:endParaRPr lang="en-US"/>
-          </a:p>
-          <a:p>
-            <a:r>
-              <a:rPr lang="en-US">
+            <a:endParaRPr lang="en-US" dirty="0"/>
+          </a:p>
+          <a:p>
+            <a:r>
+              <a:rPr lang="en-US" dirty="0">
                 <a:ea typeface="+mn-lt"/>
                 <a:cs typeface="+mn-lt"/>
               </a:rPr>
               <a:t>Optimize deep learning models (YOLOv5/YOLOv8) for real-time inference on edge devices (e.g., Jetson, FPGA)</a:t>
             </a:r>
-            <a:endParaRPr lang="en-US"/>
-          </a:p>
-          <a:p>
-            <a:r>
-              <a:rPr lang="en-US">
+            <a:endParaRPr lang="en-US" dirty="0"/>
+          </a:p>
+          <a:p>
+            <a:r>
+              <a:rPr lang="en-US" dirty="0">
                 <a:ea typeface="+mn-lt"/>
                 <a:cs typeface="+mn-lt"/>
               </a:rPr>
-              <a:t>Apply </a:t>
-            </a:r>
-            <a:r>
-              <a:rPr lang="en-US" err="1">
-                <a:ea typeface="+mn-lt"/>
-                <a:cs typeface="+mn-lt"/>
-              </a:rPr>
-              <a:t>DetDSHAP</a:t>
-            </a:r>
-            <a:r>
-              <a:rPr lang="en-US">
-                <a:ea typeface="+mn-lt"/>
-                <a:cs typeface="+mn-lt"/>
-              </a:rPr>
-              <a:t> pruning to reduce model size while preserving performance and interpretability</a:t>
-            </a:r>
-            <a:endParaRPr lang="en-US"/>
-          </a:p>
-          <a:p>
-            <a:r>
-              <a:rPr lang="en-US">
+              <a:t>Apply pruning to reduce model size while preserving performance and interpretability</a:t>
+            </a:r>
+            <a:endParaRPr lang="en-US" dirty="0"/>
+          </a:p>
+          <a:p>
+            <a:r>
+              <a:rPr lang="en-US" dirty="0">
                 <a:ea typeface="+mn-lt"/>
                 <a:cs typeface="+mn-lt"/>
               </a:rPr>
               <a:t>Integrate explainability tools (Grad-CAM, SHAP, Saliency Maps) into the UAV inference pipeline</a:t>
             </a:r>
-            <a:endParaRPr lang="en-US"/>
-          </a:p>
-          <a:p>
-            <a:r>
-              <a:rPr lang="en-US">
+            <a:endParaRPr lang="en-US" dirty="0"/>
+          </a:p>
+          <a:p>
+            <a:r>
+              <a:rPr lang="en-US" dirty="0">
                 <a:ea typeface="+mn-lt"/>
                 <a:cs typeface="+mn-lt"/>
               </a:rPr>
               <a:t>Build a ground station interface that visualizes detections alongside their explanations</a:t>
             </a:r>
-            <a:endParaRPr lang="en-US"/>
-          </a:p>
-          <a:p>
-            <a:r>
-              <a:rPr lang="en-US">
+            <a:endParaRPr lang="en-US" dirty="0"/>
+          </a:p>
+          <a:p>
+            <a:r>
+              <a:rPr lang="en-US" dirty="0">
                 <a:ea typeface="+mn-lt"/>
                 <a:cs typeface="+mn-lt"/>
               </a:rPr>
               <a:t>Evaluate both detection accuracy (</a:t>
             </a:r>
             <a:r>
-              <a:rPr lang="en-US" err="1">
+              <a:rPr lang="en-US" dirty="0" err="1">
                 <a:ea typeface="+mn-lt"/>
                 <a:cs typeface="+mn-lt"/>
               </a:rPr>
               <a:t>mAP</a:t>
             </a:r>
             <a:r>
-              <a:rPr lang="en-US">
+              <a:rPr lang="en-US" dirty="0">
                 <a:ea typeface="+mn-lt"/>
                 <a:cs typeface="+mn-lt"/>
               </a:rPr>
               <a:t>, F1) and explanation quality (fidelity, stability)</a:t>
             </a:r>
-            <a:endParaRPr lang="en-US"/>
+            <a:endParaRPr lang="en-US" dirty="0"/>
           </a:p>
         </p:txBody>
       </p:sp>
@@ -4527,57 +4490,43 @@
           <a:lstStyle/>
           <a:p>
             <a:r>
-              <a:rPr lang="en-US">
+              <a:rPr lang="en-US" dirty="0">
                 <a:ea typeface="+mn-lt"/>
                 <a:cs typeface="+mn-lt"/>
               </a:rPr>
-              <a:t>We hypothesize that </a:t>
-            </a:r>
-            <a:r>
-              <a:rPr lang="en-US" err="1">
-                <a:ea typeface="+mn-lt"/>
-                <a:cs typeface="+mn-lt"/>
-              </a:rPr>
-              <a:t>DetDSHAP</a:t>
-            </a:r>
-            <a:r>
-              <a:rPr lang="en-US">
-                <a:ea typeface="+mn-lt"/>
-                <a:cs typeface="+mn-lt"/>
-              </a:rPr>
-              <a:t>-guided pruning can produce a lightweight YOLO model that is both accurate and interpretable</a:t>
-            </a:r>
-            <a:endParaRPr lang="en-US"/>
-          </a:p>
-          <a:p>
-            <a:r>
-              <a:rPr lang="en-US">
+              <a:t>We hypothesize pruning can produce a lightweight YOLO model that is both accurate and interpretable</a:t>
+            </a:r>
+            <a:endParaRPr lang="en-US" dirty="0"/>
+          </a:p>
+          <a:p>
+            <a:r>
+              <a:rPr lang="en-US" dirty="0">
                 <a:ea typeface="+mn-lt"/>
                 <a:cs typeface="+mn-lt"/>
               </a:rPr>
               <a:t>We propose that integrating XAI methods (Grad-CAM, SHAP, Saliency Maps) with the deployed model will enable real-time visual explanations onboard UAVs</a:t>
             </a:r>
-            <a:endParaRPr lang="en-US"/>
-          </a:p>
-          <a:p>
-            <a:r>
-              <a:rPr lang="en-US">
+            <a:endParaRPr lang="en-US" dirty="0"/>
+          </a:p>
+          <a:p>
+            <a:r>
+              <a:rPr lang="en-US" dirty="0">
                 <a:ea typeface="+mn-lt"/>
                 <a:cs typeface="+mn-lt"/>
               </a:rPr>
               <a:t>We believe this combination will allow UAV operators to understand and trust AI decisions without compromising performance</a:t>
             </a:r>
-            <a:endParaRPr lang="en-US"/>
-          </a:p>
-          <a:p>
-            <a:r>
-              <a:rPr lang="en-US">
+            <a:endParaRPr lang="en-US" dirty="0"/>
+          </a:p>
+          <a:p>
+            <a:r>
+              <a:rPr lang="en-US" dirty="0">
                 <a:ea typeface="+mn-lt"/>
                 <a:cs typeface="+mn-lt"/>
               </a:rPr>
               <a:t>Our pipeline will maintain detection accuracy while also delivering explanation fidelity and stability, bridging the gap between efficiency and transparency</a:t>
             </a:r>
-            <a:endParaRPr lang="en-US"/>
+            <a:endParaRPr lang="en-US" dirty="0"/>
           </a:p>
         </p:txBody>
       </p:sp>
@@ -4678,13 +4627,13 @@
               <a:buNone/>
             </a:pPr>
             <a:r>
-              <a:rPr lang="en-US" sz="1800" b="1">
+              <a:rPr lang="en-US" sz="1800" b="1" dirty="0">
                 <a:ea typeface="+mn-lt"/>
                 <a:cs typeface="+mn-lt"/>
               </a:rPr>
               <a:t>State of the Art</a:t>
             </a:r>
-            <a:endParaRPr lang="en-US" sz="1800"/>
+            <a:endParaRPr lang="en-US" sz="1800" dirty="0"/>
           </a:p>
           <a:p>
             <a:pPr>
@@ -4698,28 +4647,28 @@
               <a:buChar char=""/>
             </a:pPr>
             <a:r>
-              <a:rPr lang="en-US" sz="1800">
+              <a:rPr lang="en-US" sz="1800" dirty="0">
                 <a:ea typeface="+mn-lt"/>
                 <a:cs typeface="+mn-lt"/>
               </a:rPr>
               <a:t>UAV object detection: </a:t>
             </a:r>
             <a:r>
-              <a:rPr lang="en-US" sz="1800" i="1" err="1">
+              <a:rPr lang="en-US" sz="1800" i="1" dirty="0" err="1">
                 <a:ea typeface="+mn-lt"/>
                 <a:cs typeface="+mn-lt"/>
               </a:rPr>
               <a:t>VisDrone</a:t>
             </a:r>
             <a:r>
-              <a:rPr lang="en-US" sz="1800" i="1">
+              <a:rPr lang="en-US" sz="1800" i="1" dirty="0">
                 <a:ea typeface="+mn-lt"/>
                 <a:cs typeface="+mn-lt"/>
               </a:rPr>
               <a:t>, UAVDT</a:t>
             </a:r>
             <a:r>
-              <a:rPr lang="en-US" sz="1800">
+              <a:rPr lang="en-US" sz="1800" dirty="0">
                 <a:ea typeface="+mn-lt"/>
                 <a:cs typeface="+mn-lt"/>
               </a:rPr>
@@ -4738,21 +4687,21 @@
               <a:buChar char=""/>
             </a:pPr>
             <a:r>
-              <a:rPr lang="en-US" sz="1800">
+              <a:rPr lang="en-US" sz="1800" dirty="0">
                 <a:ea typeface="+mn-lt"/>
                 <a:cs typeface="+mn-lt"/>
               </a:rPr>
               <a:t>Edge AI deployments: </a:t>
             </a:r>
             <a:r>
-              <a:rPr lang="en-US" sz="1800" i="1">
+              <a:rPr lang="en-US" sz="1800" i="1" dirty="0">
                 <a:ea typeface="+mn-lt"/>
                 <a:cs typeface="+mn-lt"/>
               </a:rPr>
               <a:t>Jetson Nano/Orin</a:t>
             </a:r>
             <a:r>
-              <a:rPr lang="en-US" sz="1800">
+              <a:rPr lang="en-US" sz="1800" dirty="0">
                 <a:ea typeface="+mn-lt"/>
                 <a:cs typeface="+mn-lt"/>
               </a:rPr>
@@ -4771,7 +4720,7 @@
               <a:buChar char=""/>
             </a:pPr>
             <a:r>
-              <a:rPr lang="en-US" sz="1800">
+              <a:rPr lang="en-US" sz="1800" dirty="0">
                 <a:ea typeface="+mn-lt"/>
                 <a:cs typeface="+mn-lt"/>
               </a:rPr>
@@ -4789,13 +4738,13 @@
               <a:buNone/>
             </a:pPr>
             <a:r>
-              <a:rPr lang="en-US" sz="1800" b="1">
+              <a:rPr lang="en-US" sz="1800" b="1" dirty="0">
                 <a:ea typeface="+mn-lt"/>
                 <a:cs typeface="+mn-lt"/>
               </a:rPr>
               <a:t>Limitations Identified</a:t>
             </a:r>
-            <a:endParaRPr lang="en-US" sz="1800"/>
+            <a:endParaRPr lang="en-US" sz="1800" dirty="0"/>
           </a:p>
           <a:p>
             <a:pPr>
@@ -4809,13 +4758,13 @@
               <a:buChar char=""/>
             </a:pPr>
             <a:r>
-              <a:rPr lang="en-US" sz="1800">
+              <a:rPr lang="en-US" sz="1800" dirty="0">
                 <a:ea typeface="+mn-lt"/>
                 <a:cs typeface="+mn-lt"/>
               </a:rPr>
               <a:t>Existing UAV research optimizes models for speed but overlooks interpretability.</a:t>
             </a:r>
-            <a:endParaRPr lang="en-US" sz="1800"/>
+            <a:endParaRPr lang="en-US" sz="1800" dirty="0"/>
           </a:p>
           <a:p>
             <a:pPr>
@@ -4829,13 +4778,13 @@
               <a:buChar char=""/>
             </a:pPr>
             <a:r>
-              <a:rPr lang="en-US" sz="1800">
+              <a:rPr lang="en-US" sz="1800" dirty="0">
                 <a:ea typeface="+mn-lt"/>
                 <a:cs typeface="+mn-lt"/>
               </a:rPr>
               <a:t>No standardized inclusion of fidelity/stability metrics alongside accuracy.</a:t>
             </a:r>
-            <a:endParaRPr lang="en-US" sz="1800"/>
+            <a:endParaRPr lang="en-US" sz="1800" dirty="0"/>
           </a:p>
           <a:p>
             <a:pPr>
@@ -4849,13 +4798,13 @@
               <a:buChar char=""/>
             </a:pPr>
             <a:r>
-              <a:rPr lang="en-US" sz="1800">
+              <a:rPr lang="en-US" sz="1800" dirty="0">
                 <a:ea typeface="+mn-lt"/>
                 <a:cs typeface="+mn-lt"/>
               </a:rPr>
               <a:t>Edge pruning is often magnitude-based, risks accuracy drop and ignores explainability.</a:t>
             </a:r>
-            <a:endParaRPr lang="en-US" sz="1800"/>
+            <a:endParaRPr lang="en-US" sz="1800" dirty="0"/>
           </a:p>
           <a:p>
             <a:pPr>
@@ -4868,13 +4817,13 @@
               <a:buNone/>
             </a:pPr>
             <a:r>
-              <a:rPr lang="en-US" sz="1800" b="1">
+              <a:rPr lang="en-US" sz="1800" b="1" dirty="0">
                 <a:ea typeface="+mn-lt"/>
                 <a:cs typeface="+mn-lt"/>
               </a:rPr>
               <a:t>Premise of Proposal</a:t>
             </a:r>
-            <a:endParaRPr lang="en-US" sz="1800"/>
+            <a:endParaRPr lang="en-US" sz="1800" dirty="0"/>
           </a:p>
           <a:p>
             <a:pPr>
@@ -4888,27 +4837,13 @@
               <a:buChar char=""/>
             </a:pPr>
             <a:r>
-              <a:rPr lang="en-US" sz="1800">
+              <a:rPr lang="en-US" sz="1800" dirty="0">
                 <a:ea typeface="+mn-lt"/>
                 <a:cs typeface="+mn-lt"/>
               </a:rPr>
-              <a:t>Introduce </a:t>
-            </a:r>
-            <a:r>
-              <a:rPr lang="en-US" sz="1800" err="1">
-                <a:ea typeface="+mn-lt"/>
-                <a:cs typeface="+mn-lt"/>
-              </a:rPr>
-              <a:t>DetDSHAP</a:t>
-            </a:r>
-            <a:r>
-              <a:rPr lang="en-US" sz="1800">
-                <a:ea typeface="+mn-lt"/>
-                <a:cs typeface="+mn-lt"/>
-              </a:rPr>
-              <a:t>-guided pruning: interpretable model compression.</a:t>
-            </a:r>
-            <a:endParaRPr lang="en-US" sz="1800"/>
+              <a:t>Introduce pruning: interpretable model compression.</a:t>
+            </a:r>
+            <a:endParaRPr lang="en-US" sz="1800" dirty="0"/>
           </a:p>
           <a:p>
             <a:pPr>
@@ -4922,13 +4857,13 @@
               <a:buChar char=""/>
             </a:pPr>
             <a:r>
-              <a:rPr lang="en-US" sz="1800">
+              <a:rPr lang="en-US" sz="1800" dirty="0">
                 <a:ea typeface="+mn-lt"/>
                 <a:cs typeface="+mn-lt"/>
               </a:rPr>
               <a:t>Integrate real-time explainability engine in UAV object detection pipeline.</a:t>
             </a:r>
-            <a:endParaRPr lang="en-US" sz="1800"/>
+            <a:endParaRPr lang="en-US" sz="1800" dirty="0"/>
           </a:p>
           <a:p>
             <a:pPr>
@@ -4942,13 +4877,13 @@
               <a:buChar char=""/>
             </a:pPr>
             <a:r>
-              <a:rPr lang="en-US" sz="1800">
+              <a:rPr lang="en-US" sz="1800" dirty="0">
                 <a:ea typeface="+mn-lt"/>
                 <a:cs typeface="+mn-lt"/>
               </a:rPr>
               <a:t>Deliver trustworthy, operator-validated UAV AI that balances accuracy, efficiency, and transparency.</a:t>
             </a:r>
-            <a:endParaRPr lang="en-US" sz="1800"/>
+            <a:endParaRPr lang="en-US" sz="1800" dirty="0"/>
           </a:p>
         </p:txBody>
       </p:sp>
@@ -5032,7 +4967,12 @@
             <p:ph idx="1"/>
           </p:nvPr>
         </p:nvSpPr>
-        <p:spPr/>
+        <p:spPr>
+          <a:xfrm>
+            <a:off x="3869268" y="864108"/>
+            <a:ext cx="7315200" cy="5120640"/>
+          </a:xfrm>
+        </p:spPr>
         <p:txBody>
           <a:bodyPr vert="horz" lIns="91440" tIns="45720" rIns="91440" bIns="45720" rtlCol="0" anchor="ctr">
             <a:noAutofit/>
@@ -5042,158 +4982,109 @@
             <a:pPr marL="0" indent="0">
               <a:buNone/>
             </a:pPr>
-            <a:endParaRPr lang="en-US" sz="1800" b="1"/>
+            <a:endParaRPr lang="en-US" sz="1800" b="1" dirty="0"/>
           </a:p>
           <a:p>
             <a:pPr marL="0" indent="0">
               <a:buNone/>
             </a:pPr>
-            <a:endParaRPr lang="en-US" sz="1800" b="1"/>
+            <a:endParaRPr lang="en-US" sz="1800" b="1" dirty="0"/>
           </a:p>
           <a:p>
             <a:pPr marL="0" indent="0">
               <a:buNone/>
             </a:pPr>
-            <a:endParaRPr lang="en-US" sz="1800" b="1"/>
+            <a:endParaRPr lang="en-US" sz="1800" b="1" dirty="0"/>
           </a:p>
           <a:p>
             <a:pPr marL="0" indent="0">
               <a:buNone/>
             </a:pPr>
-            <a:endParaRPr lang="en-US" sz="1800" b="1"/>
+            <a:endParaRPr lang="en-US" sz="1800" b="1" dirty="0"/>
           </a:p>
           <a:p>
             <a:pPr marL="0" indent="0">
               <a:buNone/>
             </a:pPr>
-            <a:endParaRPr lang="en-US" sz="1800" b="1"/>
+            <a:endParaRPr lang="en-US" sz="1800" b="1" dirty="0"/>
           </a:p>
           <a:p>
             <a:pPr marL="0" indent="0">
               <a:buNone/>
             </a:pPr>
             <a:r>
-              <a:rPr lang="en-US" sz="1800" b="1"/>
+              <a:rPr lang="en-US" sz="1800" b="1" dirty="0"/>
               <a:t>Object Detection Models</a:t>
             </a:r>
-            <a:endParaRPr lang="en-US" sz="1800"/>
-          </a:p>
-          <a:p>
-            <a:r>
-              <a:rPr lang="en-US" sz="1800">
+            <a:endParaRPr lang="en-US" sz="1800" dirty="0"/>
+          </a:p>
+          <a:p>
+            <a:r>
+              <a:rPr lang="en-US" sz="1800" dirty="0">
                 <a:ea typeface="+mn-lt"/>
                 <a:cs typeface="+mn-lt"/>
               </a:rPr>
-              <a:t>YOLO family: </a:t>
-            </a:r>
-            <a:r>
-              <a:rPr lang="en-US" sz="1800" b="1">
+              <a:t>YOLO family: single-shot, real-time detection</a:t>
+            </a:r>
+            <a:endParaRPr lang="en-US" sz="1800" dirty="0"/>
+          </a:p>
+          <a:p>
+            <a:r>
+              <a:rPr lang="en-US" sz="1800" dirty="0">
                 <a:ea typeface="+mn-lt"/>
                 <a:cs typeface="+mn-lt"/>
               </a:rPr>
-              <a:t>single-shot, real-time detection</a:t>
-            </a:r>
-            <a:endParaRPr lang="en-US" sz="1800"/>
-          </a:p>
-          <a:p>
-            <a:r>
-              <a:rPr lang="en-US" sz="1800">
-                <a:ea typeface="+mn-lt"/>
-                <a:cs typeface="+mn-lt"/>
-              </a:rPr>
-              <a:t>Trained on </a:t>
-            </a:r>
-            <a:r>
-              <a:rPr lang="en-US" sz="1800" b="1">
-                <a:ea typeface="+mn-lt"/>
-                <a:cs typeface="+mn-lt"/>
-              </a:rPr>
-              <a:t>UAV-specific datasets</a:t>
-            </a:r>
-            <a:r>
-              <a:rPr lang="en-US" sz="1800">
-                <a:ea typeface="+mn-lt"/>
-                <a:cs typeface="+mn-lt"/>
-              </a:rPr>
-              <a:t> (</a:t>
-            </a:r>
-            <a:r>
-              <a:rPr lang="en-US" sz="1800" err="1">
+              <a:t>Trained on UAV-specific datasets (</a:t>
+            </a:r>
+            <a:r>
+              <a:rPr lang="en-US" sz="1800" dirty="0" err="1">
                 <a:ea typeface="+mn-lt"/>
                 <a:cs typeface="+mn-lt"/>
               </a:rPr>
               <a:t>VisDrone</a:t>
             </a:r>
             <a:r>
-              <a:rPr lang="en-US" sz="1800">
+              <a:rPr lang="en-US" sz="1800" dirty="0">
                 <a:ea typeface="+mn-lt"/>
                 <a:cs typeface="+mn-lt"/>
               </a:rPr>
               <a:t>, UAVDT)</a:t>
             </a:r>
-            <a:endParaRPr lang="en-US" sz="1800"/>
-          </a:p>
-          <a:p>
-            <a:r>
-              <a:rPr lang="en-US" sz="1800">
+            <a:endParaRPr lang="en-US" sz="1800" dirty="0"/>
+          </a:p>
+          <a:p>
+            <a:r>
+              <a:rPr lang="en-US" sz="1800" dirty="0">
                 <a:ea typeface="+mn-lt"/>
                 <a:cs typeface="+mn-lt"/>
               </a:rPr>
-              <a:t>Balancing </a:t>
-            </a:r>
-            <a:r>
-              <a:rPr lang="en-US" sz="1800" b="1">
-                <a:ea typeface="+mn-lt"/>
-                <a:cs typeface="+mn-lt"/>
-              </a:rPr>
-              <a:t>accuracy (</a:t>
-            </a:r>
-            <a:r>
-              <a:rPr lang="en-US" sz="1800" b="1" err="1">
+              <a:t>Balancing accuracy (</a:t>
+            </a:r>
+            <a:r>
+              <a:rPr lang="en-US" sz="1800" dirty="0" err="1">
                 <a:ea typeface="+mn-lt"/>
                 <a:cs typeface="+mn-lt"/>
               </a:rPr>
               <a:t>mAP</a:t>
             </a:r>
             <a:r>
-              <a:rPr lang="en-US" sz="1800" b="1">
+              <a:rPr lang="en-US" sz="1800" dirty="0">
                 <a:ea typeface="+mn-lt"/>
                 <a:cs typeface="+mn-lt"/>
               </a:rPr>
-              <a:t>)</a:t>
-            </a:r>
-            <a:r>
-              <a:rPr lang="en-US" sz="1800">
-                <a:ea typeface="+mn-lt"/>
-                <a:cs typeface="+mn-lt"/>
-              </a:rPr>
-              <a:t> vs. </a:t>
-            </a:r>
-            <a:r>
-              <a:rPr lang="en-US" sz="1800" b="1">
-                <a:ea typeface="+mn-lt"/>
-                <a:cs typeface="+mn-lt"/>
-              </a:rPr>
-              <a:t>efficiency (FPS, latency)</a:t>
-            </a:r>
-            <a:r>
-              <a:rPr lang="en-US" sz="1800">
-                <a:ea typeface="+mn-lt"/>
-                <a:cs typeface="+mn-lt"/>
-              </a:rPr>
-              <a:t> is critical for UAV hardware</a:t>
-            </a:r>
-            <a:endParaRPr lang="en-US" sz="1800"/>
+              <a:t>) vs. efficiency (FPS, latency) is critical for UAV hardware</a:t>
+            </a:r>
+            <a:endParaRPr lang="en-US" sz="1800" dirty="0"/>
           </a:p>
           <a:p>
             <a:pPr>
               <a:buNone/>
             </a:pPr>
             <a:r>
-              <a:rPr lang="en-US" sz="1800" b="1"/>
+              <a:rPr lang="en-US" sz="1800" b="1" dirty="0"/>
               <a:t>Optimization</a:t>
             </a:r>
-            <a:endParaRPr lang="en-US" sz="1800"/>
+            <a:endParaRPr lang="en-US" sz="1800" dirty="0"/>
           </a:p>
           <a:p>
             <a:pPr>
@@ -5201,18 +5092,14 @@
               <a:buChar char=""/>
             </a:pPr>
             <a:r>
-              <a:rPr lang="en-US" sz="1800" b="1" err="1"/>
-              <a:t>DetDSHAP</a:t>
-            </a:r>
-            <a:r>
-              <a:rPr lang="en-US" sz="1800" b="1"/>
-              <a:t> Pruning</a:t>
-            </a:r>
-            <a:r>
-              <a:rPr lang="en-US" sz="1800"/>
+              <a:rPr lang="en-US" sz="1800" b="1" dirty="0"/>
+              <a:t>Pruning</a:t>
+            </a:r>
+            <a:r>
+              <a:rPr lang="en-US" sz="1800" dirty="0"/>
               <a:t>:</a:t>
             </a:r>
-            <a:endParaRPr lang="en-US" sz="1800">
+            <a:endParaRPr lang="en-US" sz="1800" dirty="0">
               <a:solidFill>
                 <a:srgbClr val="000000"/>
               </a:solidFill>
@@ -5224,10 +5111,10 @@
               <a:buChar char=""/>
             </a:pPr>
             <a:r>
-              <a:rPr lang="en-US"/>
-              <a:t>Uses Shapley values to rank neuron importance</a:t>
-            </a:r>
-            <a:endParaRPr lang="en-US">
+              <a:rPr lang="en-US" dirty="0"/>
+              <a:t>Uses BN values to rank neuron importance</a:t>
+            </a:r>
+            <a:endParaRPr lang="en-US" dirty="0">
               <a:solidFill>
                 <a:srgbClr val="000000"/>
               </a:solidFill>
@@ -5239,10 +5126,10 @@
               <a:buChar char=""/>
             </a:pPr>
             <a:r>
-              <a:rPr lang="en-US"/>
+              <a:rPr lang="en-US" dirty="0"/>
               <a:t>Retains interpretability while reducing parameters</a:t>
             </a:r>
-            <a:endParaRPr lang="en-US">
+            <a:endParaRPr lang="en-US" dirty="0">
               <a:solidFill>
                 <a:srgbClr val="000000"/>
               </a:solidFill>
@@ -5254,14 +5141,14 @@
               <a:buChar char=""/>
             </a:pPr>
             <a:r>
-              <a:rPr lang="en-US" sz="1800" b="1"/>
+              <a:rPr lang="en-US" sz="1800" b="1" dirty="0"/>
               <a:t>Deployment Workflow</a:t>
             </a:r>
             <a:r>
-              <a:rPr lang="en-US" sz="1800"/>
+              <a:rPr lang="en-US" sz="1800" dirty="0"/>
               <a:t>:</a:t>
             </a:r>
-            <a:endParaRPr lang="en-US" sz="1800">
+            <a:endParaRPr lang="en-US" sz="1800" dirty="0">
               <a:solidFill>
                 <a:srgbClr val="000000"/>
               </a:solidFill>
@@ -5273,22 +5160,22 @@
               <a:buChar char=""/>
             </a:pPr>
             <a:r>
-              <a:rPr lang="en-US" err="1"/>
+              <a:rPr lang="en-US" dirty="0" err="1"/>
               <a:t>PyTorch</a:t>
             </a:r>
             <a:r>
-              <a:rPr lang="en-US"/>
+              <a:rPr lang="en-US" dirty="0"/>
               <a:t> (training) → ONNX (intermediate format) → </a:t>
             </a:r>
             <a:r>
-              <a:rPr lang="en-US" err="1"/>
+              <a:rPr lang="en-US" dirty="0" err="1"/>
               <a:t>TensorRT</a:t>
             </a:r>
             <a:r>
-              <a:rPr lang="en-US"/>
+              <a:rPr lang="en-US" dirty="0"/>
               <a:t> (.engine model)</a:t>
             </a:r>
-            <a:endParaRPr lang="en-US">
+            <a:endParaRPr lang="en-US" dirty="0">
               <a:solidFill>
                 <a:srgbClr val="000000"/>
               </a:solidFill>
@@ -5300,7 +5187,7 @@
               <a:buChar char=""/>
             </a:pPr>
             <a:r>
-              <a:rPr lang="en-US"/>
+              <a:rPr lang="en-US" dirty="0"/>
               <a:t>Runs efficiently on Jetson/FPGA hardware</a:t>
             </a:r>
           </a:p>
@@ -5308,13 +5195,13 @@
             <a:pPr>
               <a:buNone/>
             </a:pPr>
-            <a:endParaRPr lang="en-US" sz="1800" b="1"/>
+            <a:endParaRPr lang="en-US" sz="1800" b="1" dirty="0"/>
           </a:p>
           <a:p>
             <a:pPr marL="0" indent="0">
               <a:buNone/>
             </a:pPr>
-            <a:endParaRPr lang="en-US" sz="1800">
+            <a:endParaRPr lang="en-US" sz="1800" dirty="0">
               <a:ea typeface="+mn-lt"/>
               <a:cs typeface="+mn-lt"/>
             </a:endParaRPr>
@@ -5324,7 +5211,7 @@
               <a:buFont typeface="Wingdings 2"/>
               <a:buChar char=""/>
             </a:pPr>
-            <a:endParaRPr lang="en-US">
+            <a:endParaRPr lang="en-US" dirty="0">
               <a:ea typeface="+mn-lt"/>
               <a:cs typeface="+mn-lt"/>
             </a:endParaRPr>
@@ -5333,10 +5220,10 @@
             <a:pPr marL="0" indent="0">
               <a:buNone/>
             </a:pPr>
-            <a:endParaRPr lang="en-US" sz="1800"/>
-          </a:p>
-          <a:p>
-            <a:endParaRPr lang="en-US" sz="1800"/>
+            <a:endParaRPr lang="en-US" sz="1800" dirty="0"/>
+          </a:p>
+          <a:p>
+            <a:endParaRPr lang="en-US" sz="1800" dirty="0"/>
           </a:p>
         </p:txBody>
       </p:sp>
@@ -5713,8 +5600,8 @@
           </a:prstGeom>
         </p:spPr>
       </p:pic>
-      <mc:AlternateContent xmlns:mc="http://schemas.openxmlformats.org/markup-compatibility/2006">
-        <mc:Choice xmlns:p14="http://schemas.microsoft.com/office/powerpoint/2010/main" Requires="p14">
+      <mc:AlternateContent xmlns:mc="http://schemas.openxmlformats.org/markup-compatibility/2006" xmlns:p14="http://schemas.microsoft.com/office/powerpoint/2010/main">
+        <mc:Choice Requires="p14">
           <p:contentPart p14:bwMode="auto" r:id="rId3">
             <p14:nvContentPartPr>
               <p14:cNvPr id="22" name="Ink 21">
@@ -5733,7 +5620,7 @@
             </p14:xfrm>
           </p:contentPart>
         </mc:Choice>
-        <mc:Fallback>
+        <mc:Fallback xmlns="">
           <p:pic>
             <p:nvPicPr>
               <p:cNvPr id="22" name="Ink 21">
@@ -5764,8 +5651,8 @@
           </p:pic>
         </mc:Fallback>
       </mc:AlternateContent>
-      <mc:AlternateContent xmlns:mc="http://schemas.openxmlformats.org/markup-compatibility/2006">
-        <mc:Choice xmlns:p14="http://schemas.microsoft.com/office/powerpoint/2010/main" Requires="p14">
+      <mc:AlternateContent xmlns:mc="http://schemas.openxmlformats.org/markup-compatibility/2006" xmlns:p14="http://schemas.microsoft.com/office/powerpoint/2010/main">
+        <mc:Choice Requires="p14">
           <p:contentPart p14:bwMode="auto" r:id="rId5">
             <p14:nvContentPartPr>
               <p14:cNvPr id="24" name="Ink 23">
@@ -5784,7 +5671,7 @@
             </p14:xfrm>
           </p:contentPart>
         </mc:Choice>
-        <mc:Fallback>
+        <mc:Fallback xmlns="">
           <p:pic>
             <p:nvPicPr>
               <p:cNvPr id="24" name="Ink 23">

--- a/Review-1.pptx
+++ b/Review-1.pptx
@@ -399,7 +399,7 @@
           <a:p>
             <a:fld id="{DF10405E-081E-4BE5-B13A-7B86838180DB}" type="datetimeFigureOut">
               <a:rPr lang="en-IN" smtClean="0"/>
-              <a:t>29-09-2025</a:t>
+              <a:t>07-11-2025</a:t>
             </a:fld>
             <a:endParaRPr lang="en-IN"/>
           </a:p>
@@ -567,7 +567,7 @@
           <a:p>
             <a:fld id="{DF10405E-081E-4BE5-B13A-7B86838180DB}" type="datetimeFigureOut">
               <a:rPr lang="en-IN" smtClean="0"/>
-              <a:t>29-09-2025</a:t>
+              <a:t>07-11-2025</a:t>
             </a:fld>
             <a:endParaRPr lang="en-IN"/>
           </a:p>
@@ -745,7 +745,7 @@
           <a:p>
             <a:fld id="{DF10405E-081E-4BE5-B13A-7B86838180DB}" type="datetimeFigureOut">
               <a:rPr lang="en-IN" smtClean="0"/>
-              <a:t>29-09-2025</a:t>
+              <a:t>07-11-2025</a:t>
             </a:fld>
             <a:endParaRPr lang="en-IN"/>
           </a:p>
@@ -913,7 +913,7 @@
           <a:p>
             <a:fld id="{DF10405E-081E-4BE5-B13A-7B86838180DB}" type="datetimeFigureOut">
               <a:rPr lang="en-IN" smtClean="0"/>
-              <a:t>29-09-2025</a:t>
+              <a:t>07-11-2025</a:t>
             </a:fld>
             <a:endParaRPr lang="en-IN"/>
           </a:p>
@@ -1170,7 +1170,7 @@
           <a:p>
             <a:fld id="{DF10405E-081E-4BE5-B13A-7B86838180DB}" type="datetimeFigureOut">
               <a:rPr lang="en-IN" smtClean="0"/>
-              <a:t>29-09-2025</a:t>
+              <a:t>07-11-2025</a:t>
             </a:fld>
             <a:endParaRPr lang="en-IN"/>
           </a:p>
@@ -1455,7 +1455,7 @@
           <a:p>
             <a:fld id="{DF10405E-081E-4BE5-B13A-7B86838180DB}" type="datetimeFigureOut">
               <a:rPr lang="en-IN" smtClean="0"/>
-              <a:t>29-09-2025</a:t>
+              <a:t>07-11-2025</a:t>
             </a:fld>
             <a:endParaRPr lang="en-IN"/>
           </a:p>
@@ -1894,7 +1894,7 @@
           <a:p>
             <a:fld id="{DF10405E-081E-4BE5-B13A-7B86838180DB}" type="datetimeFigureOut">
               <a:rPr lang="en-IN" smtClean="0"/>
-              <a:t>29-09-2025</a:t>
+              <a:t>07-11-2025</a:t>
             </a:fld>
             <a:endParaRPr lang="en-IN"/>
           </a:p>
@@ -2011,7 +2011,7 @@
           <a:p>
             <a:fld id="{DF10405E-081E-4BE5-B13A-7B86838180DB}" type="datetimeFigureOut">
               <a:rPr lang="en-IN" smtClean="0"/>
-              <a:t>29-09-2025</a:t>
+              <a:t>07-11-2025</a:t>
             </a:fld>
             <a:endParaRPr lang="en-IN"/>
           </a:p>
@@ -2106,7 +2106,7 @@
           <a:p>
             <a:fld id="{DF10405E-081E-4BE5-B13A-7B86838180DB}" type="datetimeFigureOut">
               <a:rPr lang="en-IN" smtClean="0"/>
-              <a:t>29-09-2025</a:t>
+              <a:t>07-11-2025</a:t>
             </a:fld>
             <a:endParaRPr lang="en-IN"/>
           </a:p>
@@ -2392,7 +2392,7 @@
           <a:p>
             <a:fld id="{DF10405E-081E-4BE5-B13A-7B86838180DB}" type="datetimeFigureOut">
               <a:rPr lang="en-IN" smtClean="0"/>
-              <a:t>29-09-2025</a:t>
+              <a:t>07-11-2025</a:t>
             </a:fld>
             <a:endParaRPr lang="en-IN"/>
           </a:p>
@@ -2663,7 +2663,7 @@
           <a:p>
             <a:fld id="{DF10405E-081E-4BE5-B13A-7B86838180DB}" type="datetimeFigureOut">
               <a:rPr lang="en-IN" smtClean="0"/>
-              <a:t>29-09-2025</a:t>
+              <a:t>07-11-2025</a:t>
             </a:fld>
             <a:endParaRPr lang="en-IN"/>
           </a:p>
@@ -2958,7 +2958,7 @@
           <a:p>
             <a:fld id="{DF10405E-081E-4BE5-B13A-7B86838180DB}" type="datetimeFigureOut">
               <a:rPr lang="en-IN" smtClean="0"/>
-              <a:t>29-09-2025</a:t>
+              <a:t>07-11-2025</a:t>
             </a:fld>
             <a:endParaRPr lang="en-IN"/>
           </a:p>
@@ -4238,7 +4238,7 @@
                 <a:ea typeface="+mn-lt"/>
                 <a:cs typeface="+mn-lt"/>
               </a:rPr>
-              <a:t>Our solution merges model optimization (pruning) with visual explanations (Grad-CAM, SHAP) — ensuring both performance and accountability</a:t>
+              <a:t>Our solution merges model optimization (pruning) with visual explanations (Grad-CAM) — ensuring both performance and accountability</a:t>
             </a:r>
             <a:endParaRPr lang="en-US" dirty="0"/>
           </a:p>
@@ -4364,7 +4364,7 @@
                 <a:ea typeface="+mn-lt"/>
                 <a:cs typeface="+mn-lt"/>
               </a:rPr>
-              <a:t>Integrate explainability tools (Grad-CAM, SHAP, Saliency Maps) into the UAV inference pipeline</a:t>
+              <a:t>Integrate explainability tools (Grad-CAM, Saliency Maps) into the UAV inference pipeline</a:t>
             </a:r>
             <a:endParaRPr lang="en-US" dirty="0"/>
           </a:p>
@@ -4384,7 +4384,7 @@
                 <a:ea typeface="+mn-lt"/>
                 <a:cs typeface="+mn-lt"/>
               </a:rPr>
-              <a:t>Evaluate both detection accuracy (</a:t>
+              <a:t>Evaluate detection accuracy (</a:t>
             </a:r>
             <a:r>
               <a:rPr lang="en-US" dirty="0" err="1">
@@ -4398,7 +4398,7 @@
                 <a:ea typeface="+mn-lt"/>
                 <a:cs typeface="+mn-lt"/>
               </a:rPr>
-              <a:t>, F1) and explanation quality (fidelity, stability)</a:t>
+              <a:t>, F1)</a:t>
             </a:r>
             <a:endParaRPr lang="en-US" dirty="0"/>
           </a:p>
@@ -4504,7 +4504,7 @@
                 <a:ea typeface="+mn-lt"/>
                 <a:cs typeface="+mn-lt"/>
               </a:rPr>
-              <a:t>We propose that integrating XAI methods (Grad-CAM, SHAP, Saliency Maps) with the deployed model will enable real-time visual explanations onboard UAVs</a:t>
+              <a:t>We propose that integrating XAI methods (Grad-CAM, Saliency Maps) with the deployed model will enable real-time visual explanations onboard UAVs</a:t>
             </a:r>
             <a:endParaRPr lang="en-US" dirty="0"/>
           </a:p>
@@ -4724,7 +4724,7 @@
                 <a:ea typeface="+mn-lt"/>
                 <a:cs typeface="+mn-lt"/>
               </a:rPr>
-              <a:t>XAI methods (Grad-CAM, SHAP, Saliency Maps) are established in medical and NLP domains, rarely extended to UAV detection.</a:t>
+              <a:t>XAI methods (Grad-CAM, Saliency Maps) are established in medical and NLP domains, rarely extended to UAV detection.</a:t>
             </a:r>
           </a:p>
           <a:p>
@@ -5318,10 +5318,10 @@
               <a:buNone/>
             </a:pPr>
             <a:r>
-              <a:rPr lang="en-US" sz="1800" b="1"/>
+              <a:rPr lang="en-US" sz="1800" b="1" dirty="0"/>
               <a:t>Evaluation Framework</a:t>
             </a:r>
-            <a:endParaRPr lang="en-US" sz="1800"/>
+            <a:endParaRPr lang="en-US" sz="1800" dirty="0"/>
           </a:p>
           <a:p>
             <a:pPr>
@@ -5329,22 +5329,22 @@
               <a:buChar char=""/>
             </a:pPr>
             <a:r>
-              <a:rPr lang="en-US" sz="1800" b="1"/>
+              <a:rPr lang="en-US" sz="1800" b="1" dirty="0"/>
               <a:t>Accuracy:</a:t>
             </a:r>
             <a:r>
-              <a:rPr lang="en-US" sz="1800"/>
+              <a:rPr lang="en-US" sz="1800" dirty="0"/>
               <a:t> </a:t>
             </a:r>
             <a:r>
-              <a:rPr lang="en-US" sz="1800" err="1"/>
+              <a:rPr lang="en-US" sz="1800" dirty="0" err="1"/>
               <a:t>mAP</a:t>
             </a:r>
             <a:r>
-              <a:rPr lang="en-US" sz="1800"/>
+              <a:rPr lang="en-US" sz="1800" dirty="0"/>
               <a:t>, F1-score</a:t>
             </a:r>
-            <a:endParaRPr lang="en-US" sz="1800">
+            <a:endParaRPr lang="en-US" sz="1800" dirty="0">
               <a:solidFill>
                 <a:srgbClr val="000000"/>
               </a:solidFill>
@@ -5356,14 +5356,14 @@
               <a:buChar char=""/>
             </a:pPr>
             <a:r>
-              <a:rPr lang="en-US" sz="1800" b="1"/>
+              <a:rPr lang="en-US" sz="1800" b="1" dirty="0"/>
               <a:t>Efficiency:</a:t>
             </a:r>
             <a:r>
-              <a:rPr lang="en-US" sz="1800"/>
-              <a:t> Latency per frame, FPS, GPU/Memory utilization</a:t>
-            </a:r>
-            <a:endParaRPr lang="en-US" sz="1800">
+              <a:rPr lang="en-US" sz="1800" dirty="0"/>
+              <a:t> Latency per frame</a:t>
+            </a:r>
+            <a:endParaRPr lang="en-US" sz="1800" dirty="0">
               <a:solidFill>
                 <a:srgbClr val="000000"/>
               </a:solidFill>
@@ -5371,61 +5371,63 @@
           </a:p>
           <a:p>
             <a:pPr>
-              <a:buFont typeface="Wingdings 2"/>
-              <a:buChar char=""/>
+              <a:buNone/>
             </a:pPr>
             <a:r>
-              <a:rPr lang="en-US" sz="1800" b="1"/>
-              <a:t>Interpretability:</a:t>
-            </a:r>
-            <a:endParaRPr lang="en-US" sz="1800">
+              <a:rPr lang="en-US" sz="1800" b="1" dirty="0"/>
+              <a:t>Explainability Methods</a:t>
+            </a:r>
+            <a:endParaRPr lang="en-US" sz="1800" dirty="0">
               <a:solidFill>
                 <a:srgbClr val="000000"/>
               </a:solidFill>
             </a:endParaRPr>
           </a:p>
           <a:p>
-            <a:pPr marL="971550" lvl="1" indent="-285750">
-              <a:buFont typeface="Wingdings 2"/>
+            <a:pPr>
+              <a:buFont typeface="Wingdings 2,Sans-Serif"/>
               <a:buChar char=""/>
             </a:pPr>
             <a:r>
-              <a:rPr lang="en-US" i="1"/>
-              <a:t>Fidelity</a:t>
-            </a:r>
-            <a:r>
-              <a:rPr lang="en-US"/>
-              <a:t>: explanation truly reflects model’s reasoning</a:t>
-            </a:r>
-            <a:endParaRPr lang="en-US">
+              <a:rPr lang="en-US" sz="1800" b="1" dirty="0"/>
+              <a:t>Grad-CAM:</a:t>
+            </a:r>
+            <a:r>
+              <a:rPr lang="en-US" sz="1800" dirty="0"/>
+              <a:t> Highlights </a:t>
+            </a:r>
+            <a:r>
+              <a:rPr lang="en-US" sz="1800" i="1" dirty="0"/>
+              <a:t>which regions in feature maps</a:t>
+            </a:r>
+            <a:r>
+              <a:rPr lang="en-US" sz="1800" dirty="0"/>
+              <a:t> drive detections</a:t>
+            </a:r>
+            <a:endParaRPr lang="en-US" sz="1800" dirty="0">
               <a:solidFill>
                 <a:srgbClr val="000000"/>
               </a:solidFill>
             </a:endParaRPr>
           </a:p>
           <a:p>
-            <a:pPr marL="971550" lvl="1" indent="-285750">
-              <a:buFont typeface="Wingdings 2"/>
+            <a:pPr>
+              <a:buFont typeface="Wingdings 2,Sans-Serif"/>
               <a:buChar char=""/>
             </a:pPr>
             <a:r>
-              <a:rPr lang="en-US" i="1"/>
-              <a:t>Stability</a:t>
-            </a:r>
-            <a:r>
-              <a:rPr lang="en-US"/>
-              <a:t>: explanations consistent for similar UAV inputs</a:t>
-            </a:r>
-          </a:p>
-          <a:p>
-            <a:pPr>
-              <a:buNone/>
-            </a:pPr>
-            <a:r>
-              <a:rPr lang="en-US" sz="1800" b="1"/>
-              <a:t>Explainability Methods</a:t>
-            </a:r>
-            <a:endParaRPr lang="en-US" sz="1800">
+              <a:rPr lang="en-US" sz="1800" b="1" dirty="0"/>
+              <a:t>Saliency Maps:</a:t>
+            </a:r>
+            <a:r>
+              <a:rPr lang="en-US" sz="1800" dirty="0"/>
+              <a:t> Pixel-level sensitivity showing </a:t>
+            </a:r>
+            <a:r>
+              <a:rPr lang="en-US" sz="1800" i="1" dirty="0"/>
+              <a:t>why detection confidence changes</a:t>
+            </a:r>
+            <a:endParaRPr lang="en-US" sz="1800" dirty="0">
               <a:solidFill>
                 <a:srgbClr val="000000"/>
               </a:solidFill>
@@ -5437,69 +5439,19 @@
               <a:buChar char=""/>
             </a:pPr>
             <a:r>
-              <a:rPr lang="en-US" sz="1800" b="1"/>
-              <a:t>Grad-CAM:</a:t>
-            </a:r>
-            <a:r>
-              <a:rPr lang="en-US" sz="1800"/>
-              <a:t> Highlights </a:t>
-            </a:r>
-            <a:r>
-              <a:rPr lang="en-US" sz="1800" i="1"/>
-              <a:t>which regions in feature maps</a:t>
-            </a:r>
-            <a:r>
-              <a:rPr lang="en-US" sz="1800"/>
-              <a:t> drive detections</a:t>
-            </a:r>
-            <a:endParaRPr lang="en-US" sz="1800">
-              <a:solidFill>
-                <a:srgbClr val="000000"/>
-              </a:solidFill>
-            </a:endParaRPr>
-          </a:p>
-          <a:p>
-            <a:pPr>
-              <a:buFont typeface="Wingdings 2,Sans-Serif"/>
-              <a:buChar char=""/>
-            </a:pPr>
-            <a:r>
-              <a:rPr lang="en-US" sz="1800" b="1"/>
-              <a:t>Saliency Maps:</a:t>
-            </a:r>
-            <a:r>
-              <a:rPr lang="en-US" sz="1800"/>
-              <a:t> Pixel-level sensitivity showing </a:t>
-            </a:r>
-            <a:r>
-              <a:rPr lang="en-US" sz="1800" i="1"/>
-              <a:t>why detection confidence changes</a:t>
-            </a:r>
-            <a:endParaRPr lang="en-US" sz="1800">
-              <a:solidFill>
-                <a:srgbClr val="000000"/>
-              </a:solidFill>
-            </a:endParaRPr>
-          </a:p>
-          <a:p>
-            <a:pPr>
-              <a:buFont typeface="Wingdings 2,Sans-Serif"/>
-              <a:buChar char=""/>
-            </a:pPr>
-            <a:r>
-              <a:rPr lang="en-US" sz="1800" b="1"/>
+              <a:rPr lang="en-US" sz="1800" b="1" dirty="0"/>
               <a:t>SHAP:</a:t>
             </a:r>
             <a:r>
-              <a:rPr lang="en-US" sz="1800"/>
+              <a:rPr lang="en-US" sz="1800" dirty="0"/>
               <a:t> Quantifies </a:t>
             </a:r>
             <a:r>
-              <a:rPr lang="en-US" sz="1800" i="1"/>
+              <a:rPr lang="en-US" sz="1800" i="1" dirty="0"/>
               <a:t>numerical importance</a:t>
             </a:r>
             <a:r>
-              <a:rPr lang="en-US" sz="1800"/>
+              <a:rPr lang="en-US" sz="1800" dirty="0"/>
               <a:t> of image regions to predictions</a:t>
             </a:r>
           </a:p>
